--- a/Stack Implementation Using a Linked List.pptx
+++ b/Stack Implementation Using a Linked List.pptx
@@ -180,7 +180,7 @@
   <pc:docChgLst>
     <pc:chgData name="Abdulrahman Abdulkader" userId="4bb965dfac336135" providerId="LiveId" clId="{17B4EB89-733B-49A0-A174-2FAE06603548}"/>
     <pc:docChg chg="undo redo custSel addSld delSld modSld sldOrd addSection delSection modSection">
-      <pc:chgData name="Abdulrahman Abdulkader" userId="4bb965dfac336135" providerId="LiveId" clId="{17B4EB89-733B-49A0-A174-2FAE06603548}" dt="2026-01-02T19:58:25.372" v="12645" actId="313"/>
+      <pc:chgData name="Abdulrahman Abdulkader" userId="4bb965dfac336135" providerId="LiveId" clId="{17B4EB89-733B-49A0-A174-2FAE06603548}" dt="2026-01-02T20:42:32.666" v="12647" actId="1076"/>
       <pc:docMkLst>
         <pc:docMk/>
       </pc:docMkLst>
@@ -3769,8 +3769,8 @@
           </ac:picMkLst>
         </pc:picChg>
       </pc:sldChg>
-      <pc:sldChg chg="addSp delSp modSp new add del mod ord modAnim">
-        <pc:chgData name="Abdulrahman Abdulkader" userId="4bb965dfac336135" providerId="LiveId" clId="{17B4EB89-733B-49A0-A174-2FAE06603548}" dt="2026-01-01T22:27:33.606" v="12169"/>
+      <pc:sldChg chg="addSp delSp modSp new add del mod ord delAnim modAnim">
+        <pc:chgData name="Abdulrahman Abdulkader" userId="4bb965dfac336135" providerId="LiveId" clId="{17B4EB89-733B-49A0-A174-2FAE06603548}" dt="2026-01-02T20:42:32.666" v="12647" actId="1076"/>
         <pc:sldMkLst>
           <pc:docMk/>
           <pc:sldMk cId="1667389619" sldId="291"/>
@@ -3839,8 +3839,8 @@
             <ac:spMk id="25" creationId="{B00CD336-43D9-4DAC-8EC2-2C3AF6D1CBB9}"/>
           </ac:spMkLst>
         </pc:spChg>
-        <pc:spChg chg="add mod">
-          <ac:chgData name="Abdulrahman Abdulkader" userId="4bb965dfac336135" providerId="LiveId" clId="{17B4EB89-733B-49A0-A174-2FAE06603548}" dt="2026-01-01T22:27:27.752" v="12167" actId="1076"/>
+        <pc:spChg chg="add del mod">
+          <ac:chgData name="Abdulrahman Abdulkader" userId="4bb965dfac336135" providerId="LiveId" clId="{17B4EB89-733B-49A0-A174-2FAE06603548}" dt="2026-01-02T20:42:28.460" v="12646" actId="478"/>
           <ac:spMkLst>
             <pc:docMk/>
             <pc:sldMk cId="1667389619" sldId="291"/>
@@ -3848,7 +3848,7 @@
           </ac:spMkLst>
         </pc:spChg>
         <pc:spChg chg="add mod">
-          <ac:chgData name="Abdulrahman Abdulkader" userId="4bb965dfac336135" providerId="LiveId" clId="{17B4EB89-733B-49A0-A174-2FAE06603548}" dt="2026-01-01T21:58:07.033" v="11944" actId="1076"/>
+          <ac:chgData name="Abdulrahman Abdulkader" userId="4bb965dfac336135" providerId="LiveId" clId="{17B4EB89-733B-49A0-A174-2FAE06603548}" dt="2026-01-02T20:42:32.666" v="12647" actId="1076"/>
           <ac:spMkLst>
             <pc:docMk/>
             <pc:sldMk cId="1667389619" sldId="291"/>
@@ -25524,41 +25524,6 @@
       </p:sp>
       <p:sp>
         <p:nvSpPr>
-          <p:cNvPr id="26" name="TextBox 25">
-            <a:extLst>
-              <a:ext uri="{FF2B5EF4-FFF2-40B4-BE49-F238E27FC236}">
-                <a16:creationId xmlns:a16="http://schemas.microsoft.com/office/drawing/2014/main" id="{37AED3FD-6B8B-49FF-BFCE-9636702B1AF6}"/>
-              </a:ext>
-            </a:extLst>
-          </p:cNvPr>
-          <p:cNvSpPr txBox="1"/>
-          <p:nvPr/>
-        </p:nvSpPr>
-        <p:spPr>
-          <a:xfrm>
-            <a:off x="1401142" y="2348880"/>
-            <a:ext cx="1440160" cy="523220"/>
-          </a:xfrm>
-          <a:prstGeom prst="rect">
-            <a:avLst/>
-          </a:prstGeom>
-          <a:noFill/>
-        </p:spPr>
-        <p:txBody>
-          <a:bodyPr wrap="square" rtlCol="0">
-            <a:spAutoFit/>
-          </a:bodyPr>
-          <a:lstStyle/>
-          <a:p>
-            <a:r>
-              <a:rPr lang="en-GB" sz="2800" dirty="0"/>
-              <a:t>GitHub: </a:t>
-            </a:r>
-          </a:p>
-        </p:txBody>
-      </p:sp>
-      <p:sp>
-        <p:nvSpPr>
           <p:cNvPr id="28" name="TextBox 27">
             <a:extLst>
               <a:ext uri="{FF2B5EF4-FFF2-40B4-BE49-F238E27FC236}">
@@ -25571,7 +25536,7 @@
         </p:nvSpPr>
         <p:spPr>
           <a:xfrm>
-            <a:off x="1383022" y="3013501"/>
+            <a:off x="1197868" y="2348880"/>
             <a:ext cx="9386537" cy="830997"/>
           </a:xfrm>
           <a:prstGeom prst="rect">
@@ -25670,7 +25635,7 @@
                                           </p:stCondLst>
                                         </p:cTn>
                                         <p:tgtEl>
-                                          <p:spTgt spid="26"/>
+                                          <p:spTgt spid="28"/>
                                         </p:tgtEl>
                                         <p:attrNameLst>
                                           <p:attrName>style.visibility</p:attrName>
@@ -25683,59 +25648,6 @@
                                     <p:animEffect transition="in" filter="fade">
                                       <p:cBhvr>
                                         <p:cTn id="7" dur="500"/>
-                                        <p:tgtEl>
-                                          <p:spTgt spid="26"/>
-                                        </p:tgtEl>
-                                      </p:cBhvr>
-                                    </p:animEffect>
-                                  </p:childTnLst>
-                                </p:cTn>
-                              </p:par>
-                            </p:childTnLst>
-                          </p:cTn>
-                        </p:par>
-                      </p:childTnLst>
-                    </p:cTn>
-                  </p:par>
-                  <p:par>
-                    <p:cTn id="8" fill="hold">
-                      <p:stCondLst>
-                        <p:cond delay="indefinite"/>
-                      </p:stCondLst>
-                      <p:childTnLst>
-                        <p:par>
-                          <p:cTn id="9" fill="hold">
-                            <p:stCondLst>
-                              <p:cond delay="0"/>
-                            </p:stCondLst>
-                            <p:childTnLst>
-                              <p:par>
-                                <p:cTn id="10" presetID="10" presetClass="entr" presetSubtype="0" fill="hold" grpId="0" nodeType="clickEffect">
-                                  <p:stCondLst>
-                                    <p:cond delay="0"/>
-                                  </p:stCondLst>
-                                  <p:childTnLst>
-                                    <p:set>
-                                      <p:cBhvr>
-                                        <p:cTn id="11" dur="1" fill="hold">
-                                          <p:stCondLst>
-                                            <p:cond delay="0"/>
-                                          </p:stCondLst>
-                                        </p:cTn>
-                                        <p:tgtEl>
-                                          <p:spTgt spid="28"/>
-                                        </p:tgtEl>
-                                        <p:attrNameLst>
-                                          <p:attrName>style.visibility</p:attrName>
-                                        </p:attrNameLst>
-                                      </p:cBhvr>
-                                      <p:to>
-                                        <p:strVal val="visible"/>
-                                      </p:to>
-                                    </p:set>
-                                    <p:animEffect transition="in" filter="fade">
-                                      <p:cBhvr>
-                                        <p:cTn id="12" dur="500"/>
                                         <p:tgtEl>
                                           <p:spTgt spid="28"/>
                                         </p:tgtEl>
@@ -25772,7 +25684,6 @@
       </p:par>
     </p:tnLst>
     <p:bldLst>
-      <p:bldP spid="26" grpId="0"/>
       <p:bldP spid="28" grpId="0"/>
     </p:bldLst>
   </p:timing>
@@ -32287,15 +32198,6 @@
 </file>
 
 <file path=customXml/item1.xml><?xml version="1.0" encoding="utf-8"?>
-<?mso-contentType ?>
-<FormTemplates xmlns="http://schemas.microsoft.com/sharepoint/v3/contenttype/forms">
-  <Display>DocumentLibraryForm</Display>
-  <Edit>AssetEditForm</Edit>
-  <New>DocumentLibraryForm</New>
-</FormTemplates>
-</file>
-
-<file path=customXml/item2.xml><?xml version="1.0" encoding="utf-8"?>
 <p:properties xmlns:p="http://schemas.microsoft.com/office/2006/metadata/properties" xmlns:xsi="http://www.w3.org/2001/XMLSchema-instance" xmlns:pc="http://schemas.microsoft.com/office/infopath/2007/PartnerControls">
   <documentManagement>
     <LocPublishedLinkedAssetsLookup xmlns="4873beb7-5857-4685-be1f-d57550cc96cc" xsi:nil="true"/>
@@ -32429,6 +32331,15 @@
     <LocMarketGroupTiers2 xmlns="4873beb7-5857-4685-be1f-d57550cc96cc" xsi:nil="true"/>
   </documentManagement>
 </p:properties>
+</file>
+
+<file path=customXml/item2.xml><?xml version="1.0" encoding="utf-8"?>
+<?mso-contentType ?>
+<FormTemplates xmlns="http://schemas.microsoft.com/sharepoint/v3/contenttype/forms">
+  <Display>DocumentLibraryForm</Display>
+  <Edit>AssetEditForm</Edit>
+  <New>DocumentLibraryForm</New>
+</FormTemplates>
 </file>
 
 <file path=customXml/item3.xml><?xml version="1.0" encoding="utf-8"?>
@@ -33472,14 +33383,6 @@
 </file>
 
 <file path=customXml/itemProps1.xml><?xml version="1.0" encoding="utf-8"?>
-<ds:datastoreItem xmlns:ds="http://schemas.openxmlformats.org/officeDocument/2006/customXml" ds:itemID="{3836F65B-1B07-41EE-A0E8-BC6EF3855225}">
-  <ds:schemaRefs>
-    <ds:schemaRef ds:uri="http://schemas.microsoft.com/sharepoint/v3/contenttype/forms"/>
-  </ds:schemaRefs>
-</ds:datastoreItem>
-</file>
-
-<file path=customXml/itemProps2.xml><?xml version="1.0" encoding="utf-8"?>
 <ds:datastoreItem xmlns:ds="http://schemas.openxmlformats.org/officeDocument/2006/customXml" ds:itemID="{60C67BEE-D13F-4BD2-98A5-34D8A0977F68}">
   <ds:schemaRefs>
     <ds:schemaRef ds:uri="4873beb7-5857-4685-be1f-d57550cc96cc"/>
@@ -33491,6 +33394,14 @@
     <ds:schemaRef ds:uri="http://schemas.microsoft.com/office/infopath/2007/PartnerControls"/>
     <ds:schemaRef ds:uri="http://www.w3.org/XML/1998/namespace"/>
     <ds:schemaRef ds:uri="http://purl.org/dc/dcmitype/"/>
+  </ds:schemaRefs>
+</ds:datastoreItem>
+</file>
+
+<file path=customXml/itemProps2.xml><?xml version="1.0" encoding="utf-8"?>
+<ds:datastoreItem xmlns:ds="http://schemas.openxmlformats.org/officeDocument/2006/customXml" ds:itemID="{3836F65B-1B07-41EE-A0E8-BC6EF3855225}">
+  <ds:schemaRefs>
+    <ds:schemaRef ds:uri="http://schemas.microsoft.com/sharepoint/v3/contenttype/forms"/>
   </ds:schemaRefs>
 </ds:datastoreItem>
 </file>
